--- a/Powerpoints/Part 1.pptx
+++ b/Powerpoints/Part 1.pptx
@@ -19,16 +19,16 @@
   <p:notesSz cx="6858000" cy="9144000"/>
   <p:embeddedFontLst>
     <p:embeddedFont>
-      <p:font typeface="Calibri" panose="020F0502020204030204" pitchFamily="34" charset="0"/>
+      <p:font typeface="等线" panose="02010600030101010101" pitchFamily="2" charset="-122"/>
       <p:regular r:id="rId9"/>
       <p:bold r:id="rId10"/>
-      <p:italic r:id="rId11"/>
-      <p:boldItalic r:id="rId12"/>
     </p:embeddedFont>
     <p:embeddedFont>
-      <p:font typeface="等线" panose="02010600030101010101" pitchFamily="2" charset="-122"/>
-      <p:regular r:id="rId13"/>
-      <p:bold r:id="rId14"/>
+      <p:font typeface="Calibri" panose="020F0502020204030204" pitchFamily="34" charset="0"/>
+      <p:regular r:id="rId11"/>
+      <p:bold r:id="rId12"/>
+      <p:italic r:id="rId13"/>
+      <p:boldItalic r:id="rId14"/>
     </p:embeddedFont>
   </p:embeddedFontLst>
   <p:defaultTextStyle>
@@ -227,7 +227,7 @@
           <a:p>
             <a:fld id="{4E1685E3-2275-44E4-A82F-5A8247D81ED4}" type="datetimeFigureOut">
               <a:rPr lang="zh-CN" altLang="en-US" smtClean="0"/>
-              <a:t>2023/4/20</a:t>
+              <a:t>2023/4/21</a:t>
             </a:fld>
             <a:endParaRPr lang="zh-CN" altLang="en-US"/>
           </a:p>
@@ -618,7 +618,7 @@
           <a:p>
             <a:fld id="{95727679-BCBD-48E5-8B40-F751F9D6098B}" type="datetimeFigureOut">
               <a:rPr lang="zh-CN" altLang="en-US" smtClean="0"/>
-              <a:t>2023/4/20</a:t>
+              <a:t>2023/4/21</a:t>
             </a:fld>
             <a:endParaRPr lang="zh-CN" altLang="en-US"/>
           </a:p>
@@ -781,7 +781,7 @@
           <a:p>
             <a:fld id="{95727679-BCBD-48E5-8B40-F751F9D6098B}" type="datetimeFigureOut">
               <a:rPr lang="zh-CN" altLang="en-US" smtClean="0"/>
-              <a:t>2023/4/20</a:t>
+              <a:t>2023/4/21</a:t>
             </a:fld>
             <a:endParaRPr lang="zh-CN" altLang="en-US"/>
           </a:p>
@@ -954,7 +954,7 @@
           <a:p>
             <a:fld id="{95727679-BCBD-48E5-8B40-F751F9D6098B}" type="datetimeFigureOut">
               <a:rPr lang="zh-CN" altLang="en-US" smtClean="0"/>
-              <a:t>2023/4/20</a:t>
+              <a:t>2023/4/21</a:t>
             </a:fld>
             <a:endParaRPr lang="zh-CN" altLang="en-US"/>
           </a:p>
@@ -1139,7 +1139,7 @@
           <a:p>
             <a:fld id="{D67ECB27-8922-47C2-9DEF-D8B706B88A6A}" type="datetimeFigureOut">
               <a:rPr lang="zh-CN" altLang="en-US" smtClean="0"/>
-              <a:t>2023/4/20</a:t>
+              <a:t>2023/4/21</a:t>
             </a:fld>
             <a:endParaRPr lang="zh-CN" altLang="en-US"/>
           </a:p>
@@ -1305,7 +1305,7 @@
           <a:p>
             <a:fld id="{D67ECB27-8922-47C2-9DEF-D8B706B88A6A}" type="datetimeFigureOut">
               <a:rPr lang="zh-CN" altLang="en-US" smtClean="0"/>
-              <a:t>2023/4/20</a:t>
+              <a:t>2023/4/21</a:t>
             </a:fld>
             <a:endParaRPr lang="zh-CN" altLang="en-US"/>
           </a:p>
@@ -1548,7 +1548,7 @@
           <a:p>
             <a:fld id="{D67ECB27-8922-47C2-9DEF-D8B706B88A6A}" type="datetimeFigureOut">
               <a:rPr lang="zh-CN" altLang="en-US" smtClean="0"/>
-              <a:t>2023/4/20</a:t>
+              <a:t>2023/4/21</a:t>
             </a:fld>
             <a:endParaRPr lang="zh-CN" altLang="en-US"/>
           </a:p>
@@ -1775,7 +1775,7 @@
           <a:p>
             <a:fld id="{D67ECB27-8922-47C2-9DEF-D8B706B88A6A}" type="datetimeFigureOut">
               <a:rPr lang="zh-CN" altLang="en-US" smtClean="0"/>
-              <a:t>2023/4/20</a:t>
+              <a:t>2023/4/21</a:t>
             </a:fld>
             <a:endParaRPr lang="zh-CN" altLang="en-US"/>
           </a:p>
@@ -2137,7 +2137,7 @@
           <a:p>
             <a:fld id="{D67ECB27-8922-47C2-9DEF-D8B706B88A6A}" type="datetimeFigureOut">
               <a:rPr lang="zh-CN" altLang="en-US" smtClean="0"/>
-              <a:t>2023/4/20</a:t>
+              <a:t>2023/4/21</a:t>
             </a:fld>
             <a:endParaRPr lang="zh-CN" altLang="en-US"/>
           </a:p>
@@ -2252,7 +2252,7 @@
           <a:p>
             <a:fld id="{D67ECB27-8922-47C2-9DEF-D8B706B88A6A}" type="datetimeFigureOut">
               <a:rPr lang="zh-CN" altLang="en-US" smtClean="0"/>
-              <a:t>2023/4/20</a:t>
+              <a:t>2023/4/21</a:t>
             </a:fld>
             <a:endParaRPr lang="zh-CN" altLang="en-US"/>
           </a:p>
@@ -2345,7 +2345,7 @@
           <a:p>
             <a:fld id="{D67ECB27-8922-47C2-9DEF-D8B706B88A6A}" type="datetimeFigureOut">
               <a:rPr lang="zh-CN" altLang="en-US" smtClean="0"/>
-              <a:t>2023/4/20</a:t>
+              <a:t>2023/4/21</a:t>
             </a:fld>
             <a:endParaRPr lang="zh-CN" altLang="en-US"/>
           </a:p>
@@ -2618,7 +2618,7 @@
           <a:p>
             <a:fld id="{D67ECB27-8922-47C2-9DEF-D8B706B88A6A}" type="datetimeFigureOut">
               <a:rPr lang="zh-CN" altLang="en-US" smtClean="0"/>
-              <a:t>2023/4/20</a:t>
+              <a:t>2023/4/21</a:t>
             </a:fld>
             <a:endParaRPr lang="zh-CN" altLang="en-US"/>
           </a:p>
@@ -2784,7 +2784,7 @@
           <a:p>
             <a:fld id="{95727679-BCBD-48E5-8B40-F751F9D6098B}" type="datetimeFigureOut">
               <a:rPr lang="zh-CN" altLang="en-US" smtClean="0"/>
-              <a:t>2023/4/20</a:t>
+              <a:t>2023/4/21</a:t>
             </a:fld>
             <a:endParaRPr lang="zh-CN" altLang="en-US"/>
           </a:p>
@@ -3031,7 +3031,7 @@
           <a:p>
             <a:fld id="{D67ECB27-8922-47C2-9DEF-D8B706B88A6A}" type="datetimeFigureOut">
               <a:rPr lang="zh-CN" altLang="en-US" smtClean="0"/>
-              <a:t>2023/4/20</a:t>
+              <a:t>2023/4/21</a:t>
             </a:fld>
             <a:endParaRPr lang="zh-CN" altLang="en-US"/>
           </a:p>
@@ -3197,7 +3197,7 @@
           <a:p>
             <a:fld id="{D67ECB27-8922-47C2-9DEF-D8B706B88A6A}" type="datetimeFigureOut">
               <a:rPr lang="zh-CN" altLang="en-US" smtClean="0"/>
-              <a:t>2023/4/20</a:t>
+              <a:t>2023/4/21</a:t>
             </a:fld>
             <a:endParaRPr lang="zh-CN" altLang="en-US"/>
           </a:p>
@@ -3373,7 +3373,7 @@
           <a:p>
             <a:fld id="{D67ECB27-8922-47C2-9DEF-D8B706B88A6A}" type="datetimeFigureOut">
               <a:rPr lang="zh-CN" altLang="en-US" smtClean="0"/>
-              <a:t>2023/4/20</a:t>
+              <a:t>2023/4/21</a:t>
             </a:fld>
             <a:endParaRPr lang="zh-CN" altLang="en-US"/>
           </a:p>
@@ -3616,7 +3616,7 @@
           <a:p>
             <a:fld id="{95727679-BCBD-48E5-8B40-F751F9D6098B}" type="datetimeFigureOut">
               <a:rPr lang="zh-CN" altLang="en-US" smtClean="0"/>
-              <a:t>2023/4/20</a:t>
+              <a:t>2023/4/21</a:t>
             </a:fld>
             <a:endParaRPr lang="zh-CN" altLang="en-US"/>
           </a:p>
@@ -3840,7 +3840,7 @@
           <a:p>
             <a:fld id="{95727679-BCBD-48E5-8B40-F751F9D6098B}" type="datetimeFigureOut">
               <a:rPr lang="zh-CN" altLang="en-US" smtClean="0"/>
-              <a:t>2023/4/20</a:t>
+              <a:t>2023/4/21</a:t>
             </a:fld>
             <a:endParaRPr lang="zh-CN" altLang="en-US"/>
           </a:p>
@@ -4199,7 +4199,7 @@
           <a:p>
             <a:fld id="{95727679-BCBD-48E5-8B40-F751F9D6098B}" type="datetimeFigureOut">
               <a:rPr lang="zh-CN" altLang="en-US" smtClean="0"/>
-              <a:t>2023/4/20</a:t>
+              <a:t>2023/4/21</a:t>
             </a:fld>
             <a:endParaRPr lang="zh-CN" altLang="en-US"/>
           </a:p>
@@ -4311,7 +4311,7 @@
           <a:p>
             <a:fld id="{95727679-BCBD-48E5-8B40-F751F9D6098B}" type="datetimeFigureOut">
               <a:rPr lang="zh-CN" altLang="en-US" smtClean="0"/>
-              <a:t>2023/4/20</a:t>
+              <a:t>2023/4/21</a:t>
             </a:fld>
             <a:endParaRPr lang="zh-CN" altLang="en-US"/>
           </a:p>
@@ -4401,7 +4401,7 @@
           <a:p>
             <a:fld id="{95727679-BCBD-48E5-8B40-F751F9D6098B}" type="datetimeFigureOut">
               <a:rPr lang="zh-CN" altLang="en-US" smtClean="0"/>
-              <a:t>2023/4/20</a:t>
+              <a:t>2023/4/21</a:t>
             </a:fld>
             <a:endParaRPr lang="zh-CN" altLang="en-US"/>
           </a:p>
@@ -4671,7 +4671,7 @@
           <a:p>
             <a:fld id="{95727679-BCBD-48E5-8B40-F751F9D6098B}" type="datetimeFigureOut">
               <a:rPr lang="zh-CN" altLang="en-US" smtClean="0"/>
-              <a:t>2023/4/20</a:t>
+              <a:t>2023/4/21</a:t>
             </a:fld>
             <a:endParaRPr lang="zh-CN" altLang="en-US"/>
           </a:p>
@@ -4918,7 +4918,7 @@
           <a:p>
             <a:fld id="{95727679-BCBD-48E5-8B40-F751F9D6098B}" type="datetimeFigureOut">
               <a:rPr lang="zh-CN" altLang="en-US" smtClean="0"/>
-              <a:t>2023/4/20</a:t>
+              <a:t>2023/4/21</a:t>
             </a:fld>
             <a:endParaRPr lang="zh-CN" altLang="en-US"/>
           </a:p>
@@ -5124,7 +5124,7 @@
           <a:p>
             <a:fld id="{95727679-BCBD-48E5-8B40-F751F9D6098B}" type="datetimeFigureOut">
               <a:rPr lang="zh-CN" altLang="en-US" smtClean="0"/>
-              <a:t>2023/4/20</a:t>
+              <a:t>2023/4/21</a:t>
             </a:fld>
             <a:endParaRPr lang="zh-CN" altLang="en-US"/>
           </a:p>
@@ -5657,7 +5657,7 @@
           <a:p>
             <a:fld id="{D67ECB27-8922-47C2-9DEF-D8B706B88A6A}" type="datetimeFigureOut">
               <a:rPr lang="zh-CN" altLang="en-US" smtClean="0"/>
-              <a:t>2023/4/20</a:t>
+              <a:t>2023/4/21</a:t>
             </a:fld>
             <a:endParaRPr lang="zh-CN" altLang="en-US"/>
           </a:p>
@@ -6275,27 +6275,21 @@
               <a:defRPr/>
             </a:pPr>
             <a:r>
-              <a:rPr kumimoji="0" lang="en-US" altLang="zh-CN" sz="28700" b="1" i="0" u="none" strike="noStrike" kern="1200" cap="none" spc="0" normalizeH="0" baseline="0" noProof="0">
-                <a:ln>
-                  <a:noFill/>
-                </a:ln>
+              <a:rPr lang="en-US" altLang="zh-CN" sz="28700" b="1" dirty="0">
                 <a:blipFill>
                   <a:blip r:embed="rId3"/>
                   <a:stretch>
                     <a:fillRect/>
                   </a:stretch>
                 </a:blipFill>
-                <a:effectLst/>
-                <a:uLnTx/>
-                <a:uFillTx/>
                 <a:latin typeface="Calibri" panose="020F0502020204030204" pitchFamily="34" charset="0"/>
                 <a:ea typeface="微软雅黑" panose="020B0503020204020204" pitchFamily="34" charset="-122"/>
                 <a:cs typeface="+mn-ea"/>
                 <a:sym typeface="Calibri" panose="020F0502020204030204" pitchFamily="34" charset="0"/>
               </a:rPr>
-              <a:t>1</a:t>
-            </a:r>
-            <a:endParaRPr kumimoji="0" lang="zh-CN" altLang="en-US" sz="28700" b="1" i="0" u="none" strike="noStrike" kern="1200" cap="none" spc="0" normalizeH="0" baseline="0" noProof="0">
+              <a:t>2</a:t>
+            </a:r>
+            <a:endParaRPr kumimoji="0" lang="zh-CN" altLang="en-US" sz="28700" b="1" i="0" u="none" strike="noStrike" kern="1200" cap="none" spc="0" normalizeH="0" baseline="0" noProof="0" dirty="0">
               <a:ln>
                 <a:noFill/>
               </a:ln>
@@ -6605,7 +6599,7 @@
                 <a:cs typeface="+mn-ea"/>
                 <a:sym typeface="Calibri" panose="020F0502020204030204" pitchFamily="34" charset="0"/>
               </a:rPr>
-              <a:t>Advantages</a:t>
+              <a:t>Strengths</a:t>
             </a:r>
           </a:p>
         </p:txBody>
@@ -6762,6 +6756,14 @@
           <a:p>
             <a:r>
               <a:rPr kumimoji="1" lang="en-US" altLang="zh-CN" sz="2400" b="1" dirty="0"/>
+              <a:t>1.</a:t>
+            </a:r>
+            <a:r>
+              <a:rPr kumimoji="1" lang="zh-CN" altLang="en-US" sz="2400" b="1" dirty="0"/>
+              <a:t> </a:t>
+            </a:r>
+            <a:r>
+              <a:rPr kumimoji="1" lang="en-US" altLang="zh-CN" sz="2400" b="1" dirty="0"/>
               <a:t>Store large amounts of information</a:t>
             </a:r>
             <a:endParaRPr kumimoji="1" lang="zh-CN" altLang="en-US" sz="2400" b="1" dirty="0"/>
@@ -6965,7 +6967,7 @@
             <a:pPr lvl="1"/>
             <a:r>
               <a:rPr kumimoji="1" lang="en-US" altLang="zh-CN" sz="3200" b="1" dirty="0"/>
-              <a:t>Advantages</a:t>
+              <a:t>Strengths</a:t>
             </a:r>
             <a:endParaRPr kumimoji="1" lang="zh-CN" altLang="en-US" sz="3200" b="1" dirty="0"/>
           </a:p>
@@ -7331,7 +7333,7 @@
         <p:spPr>
           <a:xfrm>
             <a:off x="529072" y="1572626"/>
-            <a:ext cx="6866028" cy="4836389"/>
+            <a:ext cx="6866028" cy="3728393"/>
           </a:xfrm>
           <a:prstGeom prst="rect">
             <a:avLst/>
@@ -7346,6 +7348,14 @@
           <a:p>
             <a:r>
               <a:rPr kumimoji="1" lang="en-US" altLang="zh-CN" sz="2400" b="1" dirty="0"/>
+              <a:t>2.</a:t>
+            </a:r>
+            <a:r>
+              <a:rPr kumimoji="1" lang="zh-CN" altLang="en-US" sz="2400" b="1" dirty="0"/>
+              <a:t> </a:t>
+            </a:r>
+            <a:r>
+              <a:rPr kumimoji="1" lang="en-US" altLang="zh-CN" sz="2400" b="1" dirty="0"/>
               <a:t>Easy for analysis</a:t>
             </a:r>
             <a:r>
@@ -7369,12 +7379,12 @@
               <a:lnSpc>
                 <a:spcPct val="150000"/>
               </a:lnSpc>
-              <a:buFont typeface="Wingdings" panose="05000000000000000000" pitchFamily="2" charset="2"/>
-              <a:buChar char="l"/>
+              <a:buFont typeface="Arial" panose="020B0604020202020204" pitchFamily="34" charset="0"/>
+              <a:buChar char="•"/>
             </a:pPr>
             <a:r>
               <a:rPr lang="en-US" altLang="zh-CN" sz="2400" dirty="0"/>
-              <a:t>View the requirements of the target program.</a:t>
+              <a:t>GPA.</a:t>
             </a:r>
           </a:p>
           <a:p>
@@ -7382,12 +7392,12 @@
               <a:lnSpc>
                 <a:spcPct val="150000"/>
               </a:lnSpc>
-              <a:buFont typeface="Wingdings" panose="05000000000000000000" pitchFamily="2" charset="2"/>
-              <a:buChar char="l"/>
+              <a:buFont typeface="Arial" panose="020B0604020202020204" pitchFamily="34" charset="0"/>
+              <a:buChar char="•"/>
             </a:pPr>
             <a:r>
               <a:rPr lang="en-US" altLang="zh-CN" sz="2400" dirty="0"/>
-              <a:t>Find the requirements of the language standard examination scores.</a:t>
+              <a:t>Language standard examination scores.</a:t>
             </a:r>
           </a:p>
           <a:p>
@@ -7395,8 +7405,8 @@
               <a:lnSpc>
                 <a:spcPct val="150000"/>
               </a:lnSpc>
-              <a:buFont typeface="Wingdings" panose="05000000000000000000" pitchFamily="2" charset="2"/>
-              <a:buChar char="l"/>
+              <a:buFont typeface="Arial" panose="020B0604020202020204" pitchFamily="34" charset="0"/>
+              <a:buChar char="•"/>
             </a:pPr>
             <a:r>
               <a:rPr lang="en-US" altLang="zh-CN" sz="2400" dirty="0"/>
@@ -7532,7 +7542,7 @@
             <a:pPr lvl="1"/>
             <a:r>
               <a:rPr kumimoji="1" lang="en-US" altLang="zh-CN" sz="3200" b="1" dirty="0"/>
-              <a:t>Advantages</a:t>
+              <a:t>Strengths</a:t>
             </a:r>
             <a:endParaRPr kumimoji="1" lang="zh-CN" altLang="en-US" sz="3200" b="1" dirty="0"/>
           </a:p>
@@ -7836,7 +7846,7 @@
         <p:spPr>
           <a:xfrm>
             <a:off x="529071" y="1572626"/>
-            <a:ext cx="6937049" cy="3174395"/>
+            <a:ext cx="6937049" cy="2620397"/>
           </a:xfrm>
           <a:prstGeom prst="rect">
             <a:avLst/>
@@ -7849,6 +7859,14 @@
           </a:bodyPr>
           <a:lstStyle/>
           <a:p>
+            <a:r>
+              <a:rPr kumimoji="1" lang="en-US" altLang="zh-CN" sz="2400" b="1" dirty="0"/>
+              <a:t>2.</a:t>
+            </a:r>
+            <a:r>
+              <a:rPr kumimoji="1" lang="zh-CN" altLang="en-US" sz="2400" b="1" dirty="0"/>
+              <a:t> </a:t>
+            </a:r>
             <a:r>
               <a:rPr kumimoji="1" lang="en-US" altLang="zh-CN" sz="2400" b="1" dirty="0"/>
               <a:t>Easy for analysis:</a:t>
@@ -7881,7 +7899,7 @@
             </a:pPr>
             <a:r>
               <a:rPr lang="en-US" altLang="zh-CN" sz="2400" dirty="0"/>
-              <a:t>Calculating possible expenditures required by the project to help align application goals.</a:t>
+              <a:t>Possible expenditures.</a:t>
             </a:r>
           </a:p>
           <a:p>
@@ -7894,7 +7912,31 @@
             </a:pPr>
             <a:r>
               <a:rPr lang="en-US" altLang="zh-CN" sz="2400" dirty="0"/>
-              <a:t>Learn how the scholarships are set up</a:t>
+              <a:t>The scholarships</a:t>
+            </a:r>
+            <a:r>
+              <a:rPr lang="zh-CN" altLang="en-US" sz="2400" dirty="0"/>
+              <a:t> </a:t>
+            </a:r>
+            <a:r>
+              <a:rPr lang="en-US" altLang="zh-CN" sz="2400" dirty="0"/>
+              <a:t>of</a:t>
+            </a:r>
+            <a:r>
+              <a:rPr lang="zh-CN" altLang="en-US" sz="2400" dirty="0"/>
+              <a:t> </a:t>
+            </a:r>
+            <a:r>
+              <a:rPr lang="en-US" altLang="zh-CN" sz="2400" dirty="0"/>
+              <a:t>the</a:t>
+            </a:r>
+            <a:r>
+              <a:rPr lang="zh-CN" altLang="en-US" sz="2400" dirty="0"/>
+              <a:t> </a:t>
+            </a:r>
+            <a:r>
+              <a:rPr lang="en-US" altLang="zh-CN" sz="2400" dirty="0"/>
+              <a:t>programs.</a:t>
             </a:r>
           </a:p>
           <a:p>
@@ -8021,7 +8063,7 @@
             <a:pPr lvl="1"/>
             <a:r>
               <a:rPr kumimoji="1" lang="en-US" altLang="zh-CN" sz="3200" b="1" dirty="0"/>
-              <a:t>Advantages</a:t>
+              <a:t>Strengths</a:t>
             </a:r>
             <a:endParaRPr kumimoji="1" lang="zh-CN" altLang="en-US" sz="3200" b="1" dirty="0"/>
           </a:p>
@@ -8325,7 +8367,7 @@
         <p:spPr>
           <a:xfrm>
             <a:off x="529072" y="1572626"/>
-            <a:ext cx="7301034" cy="3174395"/>
+            <a:ext cx="7611318" cy="2620397"/>
           </a:xfrm>
           <a:prstGeom prst="rect">
             <a:avLst/>
@@ -8338,6 +8380,14 @@
           </a:bodyPr>
           <a:lstStyle/>
           <a:p>
+            <a:r>
+              <a:rPr kumimoji="1" lang="en-US" altLang="zh-CN" sz="2400" b="1" dirty="0"/>
+              <a:t>2.</a:t>
+            </a:r>
+            <a:r>
+              <a:rPr kumimoji="1" lang="zh-CN" altLang="en-US" sz="2400" b="1" dirty="0"/>
+              <a:t> </a:t>
+            </a:r>
             <a:r>
               <a:rPr kumimoji="1" lang="en-US" altLang="zh-CN" sz="2400" b="1" dirty="0"/>
               <a:t>Easy for analysis</a:t>
@@ -8373,7 +8423,7 @@
             </a:pPr>
             <a:r>
               <a:rPr lang="en-US" altLang="zh-CN" sz="2400" dirty="0"/>
-              <a:t>Understand the employment situation of the applied universities, majors, and programs to help with future planning.</a:t>
+              <a:t>Employment situation of the applied universities, majors, and programs</a:t>
             </a:r>
           </a:p>
           <a:p>
@@ -8500,7 +8550,7 @@
             <a:pPr lvl="1"/>
             <a:r>
               <a:rPr kumimoji="1" lang="en-US" altLang="zh-CN" sz="3200" b="1" dirty="0"/>
-              <a:t>Advantages</a:t>
+              <a:t>Strengths</a:t>
             </a:r>
             <a:endParaRPr kumimoji="1" lang="zh-CN" altLang="en-US" sz="3200" b="1" dirty="0"/>
           </a:p>
